--- a/Dokumente/Präsentationen/Webservices 01.07.pptx
+++ b/Dokumente/Präsentationen/Webservices 01.07.pptx
@@ -215,7 +215,7 @@
           <a:p>
             <a:fld id="{45E15E40-17E0-45C1-A473-5304446E28BB}" type="datetimeFigureOut">
               <a:rPr lang="de-DE" smtClean="0"/>
-              <a:t>26.06.2016</a:t>
+              <a:t>27.06.2016</a:t>
             </a:fld>
             <a:endParaRPr lang="de-DE"/>
           </a:p>
@@ -1288,7 +1288,7 @@
           <a:p>
             <a:fld id="{6F3319F1-5879-4559-AD19-503E37208FC3}" type="datetime1">
               <a:rPr lang="en-US" smtClean="0"/>
-              <a:t>6/26/2016</a:t>
+              <a:t>6/27/2016</a:t>
             </a:fld>
             <a:endParaRPr lang="en-US" dirty="0"/>
           </a:p>
@@ -1539,7 +1539,7 @@
           <a:p>
             <a:fld id="{67F6CA58-18BF-4D9A-A137-5B59D0347623}" type="datetime1">
               <a:rPr lang="en-US" smtClean="0"/>
-              <a:t>6/26/2016</a:t>
+              <a:t>6/27/2016</a:t>
             </a:fld>
             <a:endParaRPr lang="en-US" dirty="0"/>
           </a:p>
@@ -1853,7 +1853,7 @@
           <a:p>
             <a:fld id="{F2765D4F-56DB-4DD7-AFD8-FC756EDC321F}" type="datetime1">
               <a:rPr lang="en-US" smtClean="0"/>
-              <a:t>6/26/2016</a:t>
+              <a:t>6/27/2016</a:t>
             </a:fld>
             <a:endParaRPr lang="en-US" dirty="0"/>
           </a:p>
@@ -2194,7 +2194,7 @@
           <a:p>
             <a:fld id="{C26A8FEC-4B2D-4CC2-A5E8-5BC36F0397B3}" type="datetime1">
               <a:rPr lang="en-US" smtClean="0"/>
-              <a:t>6/26/2016</a:t>
+              <a:t>6/27/2016</a:t>
             </a:fld>
             <a:endParaRPr lang="en-US" dirty="0"/>
           </a:p>
@@ -2508,7 +2508,7 @@
           <a:p>
             <a:fld id="{03144BE2-EF36-4546-8EDD-E57711817735}" type="datetime1">
               <a:rPr lang="en-US" smtClean="0"/>
-              <a:t>6/26/2016</a:t>
+              <a:t>6/27/2016</a:t>
             </a:fld>
             <a:endParaRPr lang="en-US" dirty="0"/>
           </a:p>
@@ -2901,7 +2901,7 @@
           <a:p>
             <a:fld id="{65E95D62-76CB-4F63-847D-DCC95847A1F8}" type="datetime1">
               <a:rPr lang="en-US" smtClean="0"/>
-              <a:t>6/26/2016</a:t>
+              <a:t>6/27/2016</a:t>
             </a:fld>
             <a:endParaRPr lang="en-US" dirty="0"/>
           </a:p>
@@ -3071,7 +3071,7 @@
           <a:p>
             <a:fld id="{CE44578B-16BF-4409-85DC-1DA2C3A3A412}" type="datetime1">
               <a:rPr lang="en-US" smtClean="0"/>
-              <a:t>6/26/2016</a:t>
+              <a:t>6/27/2016</a:t>
             </a:fld>
             <a:endParaRPr lang="en-US" dirty="0"/>
           </a:p>
@@ -3250,7 +3250,7 @@
           <a:p>
             <a:fld id="{5B1D094C-37E6-44CE-8233-401F544236FC}" type="datetime1">
               <a:rPr lang="en-US" smtClean="0"/>
-              <a:t>6/26/2016</a:t>
+              <a:t>6/27/2016</a:t>
             </a:fld>
             <a:endParaRPr lang="en-US" dirty="0"/>
           </a:p>
@@ -3426,7 +3426,7 @@
           <a:p>
             <a:fld id="{452FCC87-9F2D-46B2-AACE-60119B358306}" type="datetime1">
               <a:rPr lang="en-US" smtClean="0"/>
-              <a:t>6/26/2016</a:t>
+              <a:t>6/27/2016</a:t>
             </a:fld>
             <a:endParaRPr lang="en-US" dirty="0"/>
           </a:p>
@@ -3673,7 +3673,7 @@
           <a:p>
             <a:fld id="{21A67DE3-6D23-426A-AC65-FC1286954DE8}" type="datetime1">
               <a:rPr lang="en-US" smtClean="0"/>
-              <a:t>6/26/2016</a:t>
+              <a:t>6/27/2016</a:t>
             </a:fld>
             <a:endParaRPr lang="en-US" dirty="0"/>
           </a:p>
@@ -3905,7 +3905,7 @@
           <a:p>
             <a:fld id="{BC80C17B-DB73-4327-ADC0-C715730B863A}" type="datetime1">
               <a:rPr lang="en-US" smtClean="0"/>
-              <a:t>6/26/2016</a:t>
+              <a:t>6/27/2016</a:t>
             </a:fld>
             <a:endParaRPr lang="en-US" dirty="0"/>
           </a:p>
@@ -4278,7 +4278,7 @@
           <a:p>
             <a:fld id="{E7E7A0B2-89B3-4315-96BD-58DC6C0A5A53}" type="datetime1">
               <a:rPr lang="en-US" smtClean="0"/>
-              <a:t>6/26/2016</a:t>
+              <a:t>6/27/2016</a:t>
             </a:fld>
             <a:endParaRPr lang="en-US" dirty="0"/>
           </a:p>
@@ -4401,7 +4401,7 @@
           <a:p>
             <a:fld id="{81588163-63C9-486D-9B04-5D8399F8A83E}" type="datetime1">
               <a:rPr lang="en-US" smtClean="0"/>
-              <a:t>6/26/2016</a:t>
+              <a:t>6/27/2016</a:t>
             </a:fld>
             <a:endParaRPr lang="en-US" dirty="0"/>
           </a:p>
@@ -4496,7 +4496,7 @@
           <a:p>
             <a:fld id="{2E6198A9-4F66-4212-8D0B-B2A7258BB659}" type="datetime1">
               <a:rPr lang="en-US" smtClean="0"/>
-              <a:t>6/26/2016</a:t>
+              <a:t>6/27/2016</a:t>
             </a:fld>
             <a:endParaRPr lang="en-US" dirty="0"/>
           </a:p>
@@ -4751,7 +4751,7 @@
           <a:p>
             <a:fld id="{7FCA0217-B9F7-4525-A144-F8E1AC028279}" type="datetime1">
               <a:rPr lang="en-US" smtClean="0"/>
-              <a:t>6/26/2016</a:t>
+              <a:t>6/27/2016</a:t>
             </a:fld>
             <a:endParaRPr lang="en-US" dirty="0"/>
           </a:p>
@@ -5013,7 +5013,7 @@
           <a:p>
             <a:fld id="{1FB8F3A2-C021-421E-8BC0-C90884C32907}" type="datetime1">
               <a:rPr lang="en-US" smtClean="0"/>
-              <a:t>6/26/2016</a:t>
+              <a:t>6/27/2016</a:t>
             </a:fld>
             <a:endParaRPr lang="en-US" dirty="0"/>
           </a:p>
@@ -5756,7 +5756,7 @@
           <a:p>
             <a:fld id="{FCE05E4D-22AF-4F40-8EB0-E9835C8B7674}" type="datetime1">
               <a:rPr lang="en-US" smtClean="0"/>
-              <a:t>6/26/2016</a:t>
+              <a:t>6/27/2016</a:t>
             </a:fld>
             <a:endParaRPr lang="en-US" dirty="0"/>
           </a:p>
@@ -7343,7 +7343,7 @@
       </p:sp>
       <p:pic>
         <p:nvPicPr>
-          <p:cNvPr id="4" name="Inhaltsplatzhalter 3"/>
+          <p:cNvPr id="6" name="Inhaltsplatzhalter 5"/>
           <p:cNvPicPr>
             <a:picLocks noGrp="1" noChangeAspect="1"/>
           </p:cNvPicPr>
@@ -7352,21 +7352,15 @@
           </p:nvPr>
         </p:nvPicPr>
         <p:blipFill>
-          <a:blip r:embed="rId2">
-            <a:extLst>
-              <a:ext uri="{28A0092B-C50C-407E-A947-70E740481C1C}">
-                <a14:useLocalDpi xmlns:a14="http://schemas.microsoft.com/office/drawing/2010/main" val="0"/>
-              </a:ext>
-            </a:extLst>
-          </a:blip>
+          <a:blip r:embed="rId2"/>
           <a:stretch>
             <a:fillRect/>
           </a:stretch>
         </p:blipFill>
         <p:spPr>
           <a:xfrm>
-            <a:off x="347160" y="915103"/>
-            <a:ext cx="7967784" cy="5876240"/>
+            <a:off x="572368" y="1029392"/>
+            <a:ext cx="7732646" cy="5747902"/>
           </a:xfrm>
         </p:spPr>
       </p:pic>
